--- a/Kubernetes.pptx
+++ b/Kubernetes.pptx
@@ -273,7 +273,7 @@
           <a:p>
             <a:fld id="{7471540E-295B-4FB9-B069-CDF7227E49FF}" type="datetimeFigureOut">
               <a:rPr lang="en-US" smtClean="0"/>
-              <a:t>7/18/2020</a:t>
+              <a:t>7/19/2020</a:t>
             </a:fld>
             <a:endParaRPr lang="en-US"/>
           </a:p>
@@ -443,7 +443,7 @@
           <a:p>
             <a:fld id="{7471540E-295B-4FB9-B069-CDF7227E49FF}" type="datetimeFigureOut">
               <a:rPr lang="en-US" smtClean="0"/>
-              <a:t>7/18/2020</a:t>
+              <a:t>7/19/2020</a:t>
             </a:fld>
             <a:endParaRPr lang="en-US"/>
           </a:p>
@@ -623,7 +623,7 @@
           <a:p>
             <a:fld id="{7471540E-295B-4FB9-B069-CDF7227E49FF}" type="datetimeFigureOut">
               <a:rPr lang="en-US" smtClean="0"/>
-              <a:t>7/18/2020</a:t>
+              <a:t>7/19/2020</a:t>
             </a:fld>
             <a:endParaRPr lang="en-US"/>
           </a:p>
@@ -793,7 +793,7 @@
           <a:p>
             <a:fld id="{7471540E-295B-4FB9-B069-CDF7227E49FF}" type="datetimeFigureOut">
               <a:rPr lang="en-US" smtClean="0"/>
-              <a:t>7/18/2020</a:t>
+              <a:t>7/19/2020</a:t>
             </a:fld>
             <a:endParaRPr lang="en-US"/>
           </a:p>
@@ -1039,7 +1039,7 @@
           <a:p>
             <a:fld id="{7471540E-295B-4FB9-B069-CDF7227E49FF}" type="datetimeFigureOut">
               <a:rPr lang="en-US" smtClean="0"/>
-              <a:t>7/18/2020</a:t>
+              <a:t>7/19/2020</a:t>
             </a:fld>
             <a:endParaRPr lang="en-US"/>
           </a:p>
@@ -1271,7 +1271,7 @@
           <a:p>
             <a:fld id="{7471540E-295B-4FB9-B069-CDF7227E49FF}" type="datetimeFigureOut">
               <a:rPr lang="en-US" smtClean="0"/>
-              <a:t>7/18/2020</a:t>
+              <a:t>7/19/2020</a:t>
             </a:fld>
             <a:endParaRPr lang="en-US"/>
           </a:p>
@@ -1638,7 +1638,7 @@
           <a:p>
             <a:fld id="{7471540E-295B-4FB9-B069-CDF7227E49FF}" type="datetimeFigureOut">
               <a:rPr lang="en-US" smtClean="0"/>
-              <a:t>7/18/2020</a:t>
+              <a:t>7/19/2020</a:t>
             </a:fld>
             <a:endParaRPr lang="en-US"/>
           </a:p>
@@ -1756,7 +1756,7 @@
           <a:p>
             <a:fld id="{7471540E-295B-4FB9-B069-CDF7227E49FF}" type="datetimeFigureOut">
               <a:rPr lang="en-US" smtClean="0"/>
-              <a:t>7/18/2020</a:t>
+              <a:t>7/19/2020</a:t>
             </a:fld>
             <a:endParaRPr lang="en-US"/>
           </a:p>
@@ -1851,7 +1851,7 @@
           <a:p>
             <a:fld id="{7471540E-295B-4FB9-B069-CDF7227E49FF}" type="datetimeFigureOut">
               <a:rPr lang="en-US" smtClean="0"/>
-              <a:t>7/18/2020</a:t>
+              <a:t>7/19/2020</a:t>
             </a:fld>
             <a:endParaRPr lang="en-US"/>
           </a:p>
@@ -2128,7 +2128,7 @@
           <a:p>
             <a:fld id="{7471540E-295B-4FB9-B069-CDF7227E49FF}" type="datetimeFigureOut">
               <a:rPr lang="en-US" smtClean="0"/>
-              <a:t>7/18/2020</a:t>
+              <a:t>7/19/2020</a:t>
             </a:fld>
             <a:endParaRPr lang="en-US"/>
           </a:p>
@@ -2381,7 +2381,7 @@
           <a:p>
             <a:fld id="{7471540E-295B-4FB9-B069-CDF7227E49FF}" type="datetimeFigureOut">
               <a:rPr lang="en-US" smtClean="0"/>
-              <a:t>7/18/2020</a:t>
+              <a:t>7/19/2020</a:t>
             </a:fld>
             <a:endParaRPr lang="en-US"/>
           </a:p>
@@ -2594,7 +2594,7 @@
           <a:p>
             <a:fld id="{7471540E-295B-4FB9-B069-CDF7227E49FF}" type="datetimeFigureOut">
               <a:rPr lang="en-US" smtClean="0"/>
-              <a:t>7/18/2020</a:t>
+              <a:t>7/19/2020</a:t>
             </a:fld>
             <a:endParaRPr lang="en-US"/>
           </a:p>
@@ -8271,8 +8271,19 @@
                 <a:latin typeface="Arial" panose="020B0604020202020204" pitchFamily="34" charset="0"/>
                 <a:cs typeface="Arial" panose="020B0604020202020204" pitchFamily="34" charset="0"/>
               </a:rPr>
-              <a:t>Basics of Kubernetes (Service)</a:t>
-            </a:r>
+              <a:t>Basics of Kubernetes </a:t>
+            </a:r>
+            <a:r>
+              <a:rPr lang="en-US" sz="3600" smtClean="0">
+                <a:latin typeface="Arial" panose="020B0604020202020204" pitchFamily="34" charset="0"/>
+                <a:cs typeface="Arial" panose="020B0604020202020204" pitchFamily="34" charset="0"/>
+              </a:rPr>
+              <a:t>(Labels)</a:t>
+            </a:r>
+            <a:endParaRPr lang="en-US" sz="3600" dirty="0">
+              <a:latin typeface="Arial" panose="020B0604020202020204" pitchFamily="34" charset="0"/>
+              <a:cs typeface="Arial" panose="020B0604020202020204" pitchFamily="34" charset="0"/>
+            </a:endParaRPr>
           </a:p>
         </p:txBody>
       </p:sp>
@@ -17385,10 +17396,6 @@
               </a:rPr>
               <a:t>Kubernetes Advanced (Multi Containers Design Pattern)</a:t>
             </a:r>
-            <a:endParaRPr lang="en-US" sz="3600" dirty="0">
-              <a:latin typeface="Arial" panose="020B0604020202020204" pitchFamily="34" charset="0"/>
-              <a:cs typeface="Arial" panose="020B0604020202020204" pitchFamily="34" charset="0"/>
-            </a:endParaRPr>
           </a:p>
         </p:txBody>
       </p:sp>
